--- a/src/main/resources/demo.pptx
+++ b/src/main/resources/demo.pptx
@@ -8,8 +8,6 @@
     <p:sldId id="256" r:id="rId2"/>
     <p:sldId id="257" r:id="rId3"/>
     <p:sldId id="258" r:id="rId4"/>
-    <p:sldId id="259" r:id="rId5"/>
-    <p:sldId id="260" r:id="rId6"/>
   </p:sldIdLst>
   <p:sldSz cx="9144000" cy="6858000" type="screen4x3"/>
   <p:notesSz cx="6858000" cy="9144000"/>
@@ -108,11 +106,27 @@
       </a:defRPr>
     </a:lvl9pPr>
   </p:defaultTextStyle>
+  <p:extLst>
+    <p:ext uri="{EFAFB233-063F-42B5-8137-9DF3F51BA10A}">
+      <p15:sldGuideLst xmlns:p15="http://schemas.microsoft.com/office/powerpoint/2012/main">
+        <p15:guide id="1" orient="horz" pos="2160">
+          <p15:clr>
+            <a:srgbClr val="A4A3A4"/>
+          </p15:clr>
+        </p15:guide>
+        <p15:guide id="2" pos="2880">
+          <p15:clr>
+            <a:srgbClr val="A4A3A4"/>
+          </p15:clr>
+        </p15:guide>
+      </p15:sldGuideLst>
+    </p:ext>
+  </p:extLst>
 </p:presentation>
 </file>
 
 <file path=ppt/charts/chart1.xml><?xml version="1.0" encoding="utf-8"?>
-<c:chartSpace xmlns:c="http://schemas.openxmlformats.org/drawingml/2006/chart" xmlns:a="http://schemas.openxmlformats.org/drawingml/2006/main" xmlns:r="http://schemas.openxmlformats.org/officeDocument/2006/relationships">
+<c:chartSpace xmlns:c="http://schemas.openxmlformats.org/drawingml/2006/chart" xmlns:a="http://schemas.openxmlformats.org/drawingml/2006/main" xmlns:r="http://schemas.openxmlformats.org/officeDocument/2006/relationships" xmlns:c16r2="http://schemas.microsoft.com/office/drawing/2015/06/chart">
   <c:date1904 val="0"/>
   <c:lang val="zh-CN"/>
   <c:roundedCorners val="0"/>
@@ -171,8 +185,10 @@
             <c:showBubbleSize val="0"/>
             <c:separator> </c:separator>
             <c:showLeaderLines val="1"/>
-            <c:extLst xmlns:c16r2="http://schemas.microsoft.com/office/drawing/2015/06/chart">
-              <c:ext xmlns:c15="http://schemas.microsoft.com/office/drawing/2012/chart" uri="{CE6537A1-D6FC-4f65-9D91-7224C49458BB}"/>
+            <c:extLst>
+              <c:ext xmlns:c15="http://schemas.microsoft.com/office/drawing/2012/chart" uri="{CE6537A1-D6FC-4f65-9D91-7224C49458BB}">
+                <c15:layout/>
+              </c:ext>
             </c:extLst>
           </c:dLbls>
           <c:cat>
@@ -216,7 +232,7 @@
               </c:numCache>
             </c:numRef>
           </c:val>
-          <c:extLst xmlns:c16r2="http://schemas.microsoft.com/office/drawing/2015/06/chart">
+          <c:extLst>
             <c:ext xmlns:c16="http://schemas.microsoft.com/office/drawing/2014/chart" uri="{C3380CC4-5D6E-409C-BE32-E72D297353CC}">
               <c16:uniqueId val="{00000000-63CD-45C8-A54C-436538347875}"/>
             </c:ext>
@@ -234,1394 +250,6 @@
         <c:firstSliceAng val="0"/>
       </c:pieChart>
     </c:plotArea>
-    <c:plotVisOnly val="1"/>
-    <c:dispBlanksAs val="gap"/>
-    <c:showDLblsOverMax val="0"/>
-  </c:chart>
-  <c:txPr>
-    <a:bodyPr/>
-    <a:lstStyle/>
-    <a:p>
-      <a:pPr>
-        <a:defRPr sz="1800"/>
-      </a:pPr>
-      <a:endParaRPr lang="zh-CN"/>
-    </a:p>
-  </c:txPr>
-  <c:externalData r:id="rId1">
-    <c:autoUpdate val="0"/>
-  </c:externalData>
-</c:chartSpace>
-</file>
-
-<file path=ppt/charts/chart2.xml><?xml version="1.0" encoding="utf-8"?>
-<c:chartSpace xmlns:c="http://schemas.openxmlformats.org/drawingml/2006/chart" xmlns:a="http://schemas.openxmlformats.org/drawingml/2006/main" xmlns:r="http://schemas.openxmlformats.org/officeDocument/2006/relationships">
-  <c:date1904 val="0"/>
-  <c:lang val="zh-CN"/>
-  <c:roundedCorners val="0"/>
-  <mc:AlternateContent xmlns:mc="http://schemas.openxmlformats.org/markup-compatibility/2006">
-    <mc:Choice xmlns:c14="http://schemas.microsoft.com/office/drawing/2007/8/2/chart" Requires="c14">
-      <c14:style val="102"/>
-    </mc:Choice>
-    <mc:Fallback>
-      <c:style val="2"/>
-    </mc:Fallback>
-  </mc:AlternateContent>
-  <c:chart>
-    <c:autoTitleDeleted val="1"/>
-    <c:plotArea>
-      <c:layout>
-        <c:manualLayout>
-          <c:layoutTarget val="inner"/>
-          <c:xMode val="edge"/>
-          <c:yMode val="edge"/>
-          <c:x val="4.2937989884898775E-2"/>
-          <c:y val="3.50393748025263E-2"/>
-          <c:w val="0.94452648419235696"/>
-          <c:h val="0.75140132482904409"/>
-        </c:manualLayout>
-      </c:layout>
-      <c:barChart>
-        <c:barDir val="col"/>
-        <c:grouping val="clustered"/>
-        <c:varyColors val="0"/>
-        <c:ser>
-          <c:idx val="0"/>
-          <c:order val="0"/>
-          <c:tx>
-            <c:strRef>
-              <c:f>Sheet0!$B$1</c:f>
-              <c:strCache>
-                <c:ptCount val="1"/>
-                <c:pt idx="0">
-                  <c:v>test1</c:v>
-                </c:pt>
-              </c:strCache>
-            </c:strRef>
-          </c:tx>
-          <c:invertIfNegative val="0"/>
-          <c:dLbls>
-            <c:numFmt formatCode="0.00%" sourceLinked="0"/>
-            <c:spPr>
-              <a:noFill/>
-              <a:ln>
-                <a:noFill/>
-              </a:ln>
-              <a:effectLst/>
-            </c:spPr>
-            <c:txPr>
-              <a:bodyPr/>
-              <a:lstStyle/>
-              <a:p>
-                <a:pPr>
-                  <a:defRPr sz="1050"/>
-                </a:pPr>
-                <a:endParaRPr lang="zh-CN"/>
-              </a:p>
-            </c:txPr>
-            <c:dLblPos val="outEnd"/>
-            <c:showLegendKey val="0"/>
-            <c:showVal val="1"/>
-            <c:showCatName val="0"/>
-            <c:showSerName val="0"/>
-            <c:showPercent val="0"/>
-            <c:showBubbleSize val="0"/>
-            <c:showLeaderLines val="0"/>
-            <c:extLst xmlns:c16r2="http://schemas.microsoft.com/office/drawing/2015/06/chart">
-              <c:ext xmlns:c15="http://schemas.microsoft.com/office/drawing/2012/chart" uri="{CE6537A1-D6FC-4f65-9D91-7224C49458BB}">
-                <c15:layout/>
-                <c15:showLeaderLines val="0"/>
-              </c:ext>
-            </c:extLst>
-          </c:dLbls>
-          <c:cat>
-            <c:strRef>
-              <c:f>Sheet0!$A$2:$A$5</c:f>
-              <c:strCache>
-                <c:ptCount val="4"/>
-                <c:pt idx="0">
-                  <c:v>A</c:v>
-                </c:pt>
-                <c:pt idx="1">
-                  <c:v>B</c:v>
-                </c:pt>
-                <c:pt idx="2">
-                  <c:v>C</c:v>
-                </c:pt>
-                <c:pt idx="3">
-                  <c:v>D</c:v>
-                </c:pt>
-              </c:strCache>
-            </c:strRef>
-          </c:cat>
-          <c:val>
-            <c:numRef>
-              <c:f>Sheet0!$B$2:$B$5</c:f>
-              <c:numCache>
-                <c:formatCode>General</c:formatCode>
-                <c:ptCount val="4"/>
-                <c:pt idx="0">
-                  <c:v>0.123</c:v>
-                </c:pt>
-                <c:pt idx="1">
-                  <c:v>8.4000000000000005E-2</c:v>
-                </c:pt>
-                <c:pt idx="2">
-                  <c:v>0.53</c:v>
-                </c:pt>
-                <c:pt idx="3">
-                  <c:v>0.26200000000000001</c:v>
-                </c:pt>
-              </c:numCache>
-            </c:numRef>
-          </c:val>
-          <c:extLst xmlns:c16r2="http://schemas.microsoft.com/office/drawing/2015/06/chart">
-            <c:ext xmlns:c16="http://schemas.microsoft.com/office/drawing/2014/chart" uri="{C3380CC4-5D6E-409C-BE32-E72D297353CC}">
-              <c16:uniqueId val="{00000000-7659-4F2E-8928-F4335C944E30}"/>
-            </c:ext>
-          </c:extLst>
-        </c:ser>
-        <c:ser>
-          <c:idx val="1"/>
-          <c:order val="1"/>
-          <c:tx>
-            <c:strRef>
-              <c:f>Sheet0!$B$1</c:f>
-              <c:strCache>
-                <c:ptCount val="1"/>
-                <c:pt idx="0">
-                  <c:v>test1</c:v>
-                </c:pt>
-              </c:strCache>
-            </c:strRef>
-          </c:tx>
-          <c:invertIfNegative val="0"/>
-          <c:dLbls>
-            <c:numFmt formatCode="0.00%" sourceLinked="0"/>
-            <c:spPr>
-              <a:noFill/>
-              <a:ln>
-                <a:noFill/>
-              </a:ln>
-              <a:effectLst/>
-            </c:spPr>
-            <c:txPr>
-              <a:bodyPr/>
-              <a:lstStyle/>
-              <a:p>
-                <a:pPr>
-                  <a:defRPr sz="1050"/>
-                </a:pPr>
-                <a:endParaRPr lang="zh-CN"/>
-              </a:p>
-            </c:txPr>
-            <c:showLegendKey val="0"/>
-            <c:showVal val="1"/>
-            <c:showCatName val="0"/>
-            <c:showSerName val="0"/>
-            <c:showPercent val="0"/>
-            <c:showBubbleSize val="0"/>
-            <c:showLeaderLines val="0"/>
-            <c:extLst xmlns:c16r2="http://schemas.microsoft.com/office/drawing/2015/06/chart">
-              <c:ext xmlns:c15="http://schemas.microsoft.com/office/drawing/2012/chart" uri="{CE6537A1-D6FC-4f65-9D91-7224C49458BB}">
-                <c15:layout/>
-                <c15:showLeaderLines val="0"/>
-              </c:ext>
-            </c:extLst>
-          </c:dLbls>
-          <c:cat>
-            <c:strRef>
-              <c:f>Sheet0!$A$2:$A$5</c:f>
-              <c:strCache>
-                <c:ptCount val="4"/>
-                <c:pt idx="0">
-                  <c:v>A</c:v>
-                </c:pt>
-                <c:pt idx="1">
-                  <c:v>B</c:v>
-                </c:pt>
-                <c:pt idx="2">
-                  <c:v>C</c:v>
-                </c:pt>
-                <c:pt idx="3">
-                  <c:v>D</c:v>
-                </c:pt>
-              </c:strCache>
-            </c:strRef>
-          </c:cat>
-          <c:val>
-            <c:numRef>
-              <c:f>Sheet0!$C$2:$C$5</c:f>
-              <c:numCache>
-                <c:formatCode>General</c:formatCode>
-                <c:ptCount val="4"/>
-                <c:pt idx="0">
-                  <c:v>9.2999999999999999E-2</c:v>
-                </c:pt>
-                <c:pt idx="1">
-                  <c:v>0.17599999999999999</c:v>
-                </c:pt>
-                <c:pt idx="2">
-                  <c:v>0.55000000000000004</c:v>
-                </c:pt>
-                <c:pt idx="3">
-                  <c:v>0.18099999999999999</c:v>
-                </c:pt>
-              </c:numCache>
-            </c:numRef>
-          </c:val>
-          <c:extLst xmlns:c16r2="http://schemas.microsoft.com/office/drawing/2015/06/chart">
-            <c:ext xmlns:c16="http://schemas.microsoft.com/office/drawing/2014/chart" uri="{C3380CC4-5D6E-409C-BE32-E72D297353CC}">
-              <c16:uniqueId val="{00000001-7659-4F2E-8928-F4335C944E30}"/>
-            </c:ext>
-          </c:extLst>
-        </c:ser>
-        <c:ser>
-          <c:idx val="2"/>
-          <c:order val="2"/>
-          <c:tx>
-            <c:strRef>
-              <c:f>Sheet0!$B$1</c:f>
-              <c:strCache>
-                <c:ptCount val="1"/>
-                <c:pt idx="0">
-                  <c:v>test1</c:v>
-                </c:pt>
-              </c:strCache>
-            </c:strRef>
-          </c:tx>
-          <c:spPr>
-            <a:solidFill>
-              <a:srgbClr val="00B050"/>
-            </a:solidFill>
-          </c:spPr>
-          <c:invertIfNegative val="0"/>
-          <c:dLbls>
-            <c:numFmt formatCode="0.00%" sourceLinked="0"/>
-            <c:spPr>
-              <a:noFill/>
-              <a:ln>
-                <a:noFill/>
-              </a:ln>
-              <a:effectLst/>
-            </c:spPr>
-            <c:txPr>
-              <a:bodyPr/>
-              <a:lstStyle/>
-              <a:p>
-                <a:pPr>
-                  <a:defRPr sz="1050"/>
-                </a:pPr>
-                <a:endParaRPr lang="zh-CN"/>
-              </a:p>
-            </c:txPr>
-            <c:showLegendKey val="0"/>
-            <c:showVal val="1"/>
-            <c:showCatName val="0"/>
-            <c:showSerName val="0"/>
-            <c:showPercent val="0"/>
-            <c:showBubbleSize val="0"/>
-            <c:showLeaderLines val="0"/>
-            <c:extLst xmlns:c16r2="http://schemas.microsoft.com/office/drawing/2015/06/chart">
-              <c:ext xmlns:c15="http://schemas.microsoft.com/office/drawing/2012/chart" uri="{CE6537A1-D6FC-4f65-9D91-7224C49458BB}">
-                <c15:layout/>
-                <c15:showLeaderLines val="0"/>
-              </c:ext>
-            </c:extLst>
-          </c:dLbls>
-          <c:cat>
-            <c:strRef>
-              <c:f>Sheet0!$A$2:$A$5</c:f>
-              <c:strCache>
-                <c:ptCount val="4"/>
-                <c:pt idx="0">
-                  <c:v>A</c:v>
-                </c:pt>
-                <c:pt idx="1">
-                  <c:v>B</c:v>
-                </c:pt>
-                <c:pt idx="2">
-                  <c:v>C</c:v>
-                </c:pt>
-                <c:pt idx="3">
-                  <c:v>D</c:v>
-                </c:pt>
-              </c:strCache>
-            </c:strRef>
-          </c:cat>
-          <c:val>
-            <c:numRef>
-              <c:f>Sheet0!$D$2:$D$5</c:f>
-              <c:numCache>
-                <c:formatCode>General</c:formatCode>
-                <c:ptCount val="4"/>
-                <c:pt idx="0">
-                  <c:v>5.0999999999999997E-2</c:v>
-                </c:pt>
-                <c:pt idx="1">
-                  <c:v>7.0999999999999994E-2</c:v>
-                </c:pt>
-                <c:pt idx="2">
-                  <c:v>0.55800000000000005</c:v>
-                </c:pt>
-                <c:pt idx="3">
-                  <c:v>0.32</c:v>
-                </c:pt>
-              </c:numCache>
-            </c:numRef>
-          </c:val>
-          <c:extLst xmlns:c16r2="http://schemas.microsoft.com/office/drawing/2015/06/chart">
-            <c:ext xmlns:c16="http://schemas.microsoft.com/office/drawing/2014/chart" uri="{C3380CC4-5D6E-409C-BE32-E72D297353CC}">
-              <c16:uniqueId val="{00000002-7659-4F2E-8928-F4335C944E30}"/>
-            </c:ext>
-          </c:extLst>
-        </c:ser>
-        <c:ser>
-          <c:idx val="3"/>
-          <c:order val="3"/>
-          <c:tx>
-            <c:strRef>
-              <c:f>Sheet0!$B$1</c:f>
-              <c:strCache>
-                <c:ptCount val="1"/>
-                <c:pt idx="0">
-                  <c:v>test1</c:v>
-                </c:pt>
-              </c:strCache>
-            </c:strRef>
-          </c:tx>
-          <c:invertIfNegative val="0"/>
-          <c:dLbls>
-            <c:numFmt formatCode="0.00%" sourceLinked="0"/>
-            <c:spPr>
-              <a:noFill/>
-              <a:ln>
-                <a:noFill/>
-              </a:ln>
-              <a:effectLst/>
-            </c:spPr>
-            <c:txPr>
-              <a:bodyPr/>
-              <a:lstStyle/>
-              <a:p>
-                <a:pPr>
-                  <a:defRPr sz="1050"/>
-                </a:pPr>
-                <a:endParaRPr lang="zh-CN"/>
-              </a:p>
-            </c:txPr>
-            <c:showLegendKey val="0"/>
-            <c:showVal val="1"/>
-            <c:showCatName val="0"/>
-            <c:showSerName val="0"/>
-            <c:showPercent val="0"/>
-            <c:showBubbleSize val="0"/>
-            <c:showLeaderLines val="0"/>
-            <c:extLst xmlns:c16r2="http://schemas.microsoft.com/office/drawing/2015/06/chart">
-              <c:ext xmlns:c15="http://schemas.microsoft.com/office/drawing/2012/chart" uri="{CE6537A1-D6FC-4f65-9D91-7224C49458BB}">
-                <c15:layout/>
-                <c15:showLeaderLines val="0"/>
-              </c:ext>
-            </c:extLst>
-          </c:dLbls>
-          <c:cat>
-            <c:strRef>
-              <c:f>Sheet0!$A$2:$A$5</c:f>
-              <c:strCache>
-                <c:ptCount val="4"/>
-                <c:pt idx="0">
-                  <c:v>A</c:v>
-                </c:pt>
-                <c:pt idx="1">
-                  <c:v>B</c:v>
-                </c:pt>
-                <c:pt idx="2">
-                  <c:v>C</c:v>
-                </c:pt>
-                <c:pt idx="3">
-                  <c:v>D</c:v>
-                </c:pt>
-              </c:strCache>
-            </c:strRef>
-          </c:cat>
-          <c:val>
-            <c:numRef>
-              <c:f>Sheet0!$E$2:$E$5</c:f>
-              <c:numCache>
-                <c:formatCode>General</c:formatCode>
-                <c:ptCount val="4"/>
-                <c:pt idx="0">
-                  <c:v>1.9E-2</c:v>
-                </c:pt>
-                <c:pt idx="1">
-                  <c:v>0.41299999999999998</c:v>
-                </c:pt>
-                <c:pt idx="2">
-                  <c:v>0.30199999999999999</c:v>
-                </c:pt>
-                <c:pt idx="3">
-                  <c:v>0.26600000000000001</c:v>
-                </c:pt>
-              </c:numCache>
-            </c:numRef>
-          </c:val>
-          <c:extLst xmlns:c16r2="http://schemas.microsoft.com/office/drawing/2015/06/chart">
-            <c:ext xmlns:c16="http://schemas.microsoft.com/office/drawing/2014/chart" uri="{C3380CC4-5D6E-409C-BE32-E72D297353CC}">
-              <c16:uniqueId val="{00000003-7659-4F2E-8928-F4335C944E30}"/>
-            </c:ext>
-          </c:extLst>
-        </c:ser>
-        <c:dLbls>
-          <c:showLegendKey val="0"/>
-          <c:showVal val="0"/>
-          <c:showCatName val="0"/>
-          <c:showSerName val="0"/>
-          <c:showPercent val="0"/>
-          <c:showBubbleSize val="0"/>
-        </c:dLbls>
-        <c:gapWidth val="219"/>
-        <c:overlap val="-27"/>
-        <c:axId val="130945024"/>
-        <c:axId val="131008768"/>
-      </c:barChart>
-      <c:catAx>
-        <c:axId val="130945024"/>
-        <c:scaling>
-          <c:orientation val="minMax"/>
-        </c:scaling>
-        <c:delete val="0"/>
-        <c:axPos val="b"/>
-        <c:numFmt formatCode="General" sourceLinked="1"/>
-        <c:majorTickMark val="out"/>
-        <c:minorTickMark val="none"/>
-        <c:tickLblPos val="nextTo"/>
-        <c:spPr>
-          <a:ln>
-            <a:noFill/>
-          </a:ln>
-        </c:spPr>
-        <c:txPr>
-          <a:bodyPr/>
-          <a:lstStyle/>
-          <a:p>
-            <a:pPr>
-              <a:defRPr sz="1200"/>
-            </a:pPr>
-            <a:endParaRPr lang="zh-CN"/>
-          </a:p>
-        </c:txPr>
-        <c:crossAx val="131008768"/>
-        <c:crosses val="autoZero"/>
-        <c:auto val="1"/>
-        <c:lblAlgn val="ctr"/>
-        <c:lblOffset val="100"/>
-        <c:noMultiLvlLbl val="0"/>
-      </c:catAx>
-      <c:valAx>
-        <c:axId val="131008768"/>
-        <c:scaling>
-          <c:orientation val="minMax"/>
-          <c:min val="0"/>
-        </c:scaling>
-        <c:delete val="0"/>
-        <c:axPos val="l"/>
-        <c:majorGridlines>
-          <c:spPr>
-            <a:ln w="9525">
-              <a:solidFill>
-                <a:schemeClr val="bg2"/>
-              </a:solidFill>
-            </a:ln>
-          </c:spPr>
-        </c:majorGridlines>
-        <c:numFmt formatCode="0%" sourceLinked="0"/>
-        <c:majorTickMark val="out"/>
-        <c:minorTickMark val="none"/>
-        <c:tickLblPos val="nextTo"/>
-        <c:spPr>
-          <a:ln>
-            <a:solidFill>
-              <a:srgbClr val="5B9BD5"/>
-            </a:solidFill>
-          </a:ln>
-        </c:spPr>
-        <c:txPr>
-          <a:bodyPr/>
-          <a:lstStyle/>
-          <a:p>
-            <a:pPr>
-              <a:defRPr sz="1200" b="0" i="0"/>
-            </a:pPr>
-            <a:endParaRPr lang="zh-CN"/>
-          </a:p>
-        </c:txPr>
-        <c:crossAx val="130945024"/>
-        <c:crosses val="autoZero"/>
-        <c:crossBetween val="between"/>
-      </c:valAx>
-    </c:plotArea>
-    <c:legend>
-      <c:legendPos val="b"/>
-      <c:layout/>
-      <c:overlay val="0"/>
-      <c:txPr>
-        <a:bodyPr/>
-        <a:lstStyle/>
-        <a:p>
-          <a:pPr>
-            <a:defRPr sz="1050"/>
-          </a:pPr>
-          <a:endParaRPr lang="zh-CN"/>
-        </a:p>
-      </c:txPr>
-    </c:legend>
-    <c:plotVisOnly val="1"/>
-    <c:dispBlanksAs val="gap"/>
-    <c:showDLblsOverMax val="0"/>
-  </c:chart>
-  <c:txPr>
-    <a:bodyPr/>
-    <a:lstStyle/>
-    <a:p>
-      <a:pPr>
-        <a:defRPr sz="1800"/>
-      </a:pPr>
-      <a:endParaRPr lang="zh-CN"/>
-    </a:p>
-  </c:txPr>
-  <c:externalData r:id="rId1">
-    <c:autoUpdate val="0"/>
-  </c:externalData>
-</c:chartSpace>
-</file>
-
-<file path=ppt/charts/chart3.xml><?xml version="1.0" encoding="utf-8"?>
-<c:chartSpace xmlns:c="http://schemas.openxmlformats.org/drawingml/2006/chart" xmlns:a="http://schemas.openxmlformats.org/drawingml/2006/main" xmlns:r="http://schemas.openxmlformats.org/officeDocument/2006/relationships">
-  <c:date1904 val="0"/>
-  <c:lang val="zh-CN"/>
-  <c:roundedCorners val="0"/>
-  <mc:AlternateContent xmlns:mc="http://schemas.openxmlformats.org/markup-compatibility/2006">
-    <mc:Choice xmlns:c14="http://schemas.microsoft.com/office/drawing/2007/8/2/chart" Requires="c14">
-      <c14:style val="102"/>
-    </mc:Choice>
-    <mc:Fallback>
-      <c:style val="2"/>
-    </mc:Fallback>
-  </mc:AlternateContent>
-  <c:chart>
-    <c:autoTitleDeleted val="1"/>
-    <c:plotArea>
-      <c:layout>
-        <c:manualLayout>
-          <c:layoutTarget val="inner"/>
-          <c:xMode val="edge"/>
-          <c:yMode val="edge"/>
-          <c:x val="4.293798988489881E-2"/>
-          <c:y val="3.5039374802526321E-2"/>
-          <c:w val="0.94452648419235663"/>
-          <c:h val="0.67122759403601862"/>
-        </c:manualLayout>
-      </c:layout>
-      <c:lineChart>
-        <c:grouping val="standard"/>
-        <c:varyColors val="0"/>
-        <c:ser>
-          <c:idx val="0"/>
-          <c:order val="0"/>
-          <c:tx>
-            <c:strRef>
-              <c:f>Sheet0!$B$1</c:f>
-              <c:strCache>
-                <c:ptCount val="1"/>
-                <c:pt idx="0">
-                  <c:v>test1</c:v>
-                </c:pt>
-              </c:strCache>
-            </c:strRef>
-          </c:tx>
-          <c:spPr>
-            <a:ln w="28575"/>
-          </c:spPr>
-          <c:marker>
-            <c:symbol val="circle"/>
-            <c:size val="5"/>
-          </c:marker>
-          <c:cat>
-            <c:strRef>
-              <c:f>Sheet0!$A$2:$A$32</c:f>
-              <c:strCache>
-                <c:ptCount val="31"/>
-                <c:pt idx="0">
-                  <c:v>20180701</c:v>
-                </c:pt>
-                <c:pt idx="1">
-                  <c:v>20180702</c:v>
-                </c:pt>
-                <c:pt idx="2">
-                  <c:v>20180703</c:v>
-                </c:pt>
-                <c:pt idx="3">
-                  <c:v>20180704</c:v>
-                </c:pt>
-                <c:pt idx="4">
-                  <c:v>20180705</c:v>
-                </c:pt>
-                <c:pt idx="5">
-                  <c:v>20180706</c:v>
-                </c:pt>
-                <c:pt idx="6">
-                  <c:v>20180707</c:v>
-                </c:pt>
-                <c:pt idx="7">
-                  <c:v>20180708</c:v>
-                </c:pt>
-                <c:pt idx="8">
-                  <c:v>20180709</c:v>
-                </c:pt>
-                <c:pt idx="9">
-                  <c:v>20180710</c:v>
-                </c:pt>
-                <c:pt idx="10">
-                  <c:v>20180711</c:v>
-                </c:pt>
-                <c:pt idx="11">
-                  <c:v>20180712</c:v>
-                </c:pt>
-                <c:pt idx="12">
-                  <c:v>20180713</c:v>
-                </c:pt>
-                <c:pt idx="13">
-                  <c:v>20180714</c:v>
-                </c:pt>
-                <c:pt idx="14">
-                  <c:v>20180715</c:v>
-                </c:pt>
-                <c:pt idx="15">
-                  <c:v>20180716</c:v>
-                </c:pt>
-                <c:pt idx="16">
-                  <c:v>20180717</c:v>
-                </c:pt>
-                <c:pt idx="17">
-                  <c:v>20180718</c:v>
-                </c:pt>
-                <c:pt idx="18">
-                  <c:v>20180719</c:v>
-                </c:pt>
-                <c:pt idx="19">
-                  <c:v>20180720</c:v>
-                </c:pt>
-                <c:pt idx="20">
-                  <c:v>20180721</c:v>
-                </c:pt>
-                <c:pt idx="21">
-                  <c:v>20180722</c:v>
-                </c:pt>
-                <c:pt idx="22">
-                  <c:v>20180723</c:v>
-                </c:pt>
-                <c:pt idx="23">
-                  <c:v>20180724</c:v>
-                </c:pt>
-                <c:pt idx="24">
-                  <c:v>20180725</c:v>
-                </c:pt>
-                <c:pt idx="25">
-                  <c:v>20180726</c:v>
-                </c:pt>
-                <c:pt idx="26">
-                  <c:v>20180727</c:v>
-                </c:pt>
-                <c:pt idx="27">
-                  <c:v>20180728</c:v>
-                </c:pt>
-                <c:pt idx="28">
-                  <c:v>20180729</c:v>
-                </c:pt>
-                <c:pt idx="29">
-                  <c:v>20180730</c:v>
-                </c:pt>
-                <c:pt idx="30">
-                  <c:v>20180731</c:v>
-                </c:pt>
-              </c:strCache>
-            </c:strRef>
-          </c:cat>
-          <c:val>
-            <c:numRef>
-              <c:f>Sheet0!$B$2:$B$32</c:f>
-              <c:numCache>
-                <c:formatCode>General</c:formatCode>
-                <c:ptCount val="31"/>
-                <c:pt idx="0">
-                  <c:v>245.3</c:v>
-                </c:pt>
-                <c:pt idx="1">
-                  <c:v>241.9</c:v>
-                </c:pt>
-                <c:pt idx="2">
-                  <c:v>241.6</c:v>
-                </c:pt>
-                <c:pt idx="3">
-                  <c:v>242</c:v>
-                </c:pt>
-                <c:pt idx="4">
-                  <c:v>242</c:v>
-                </c:pt>
-                <c:pt idx="5">
-                  <c:v>242.3</c:v>
-                </c:pt>
-                <c:pt idx="6">
-                  <c:v>243.8</c:v>
-                </c:pt>
-                <c:pt idx="7">
-                  <c:v>244.3</c:v>
-                </c:pt>
-                <c:pt idx="8">
-                  <c:v>241</c:v>
-                </c:pt>
-                <c:pt idx="9">
-                  <c:v>241.8</c:v>
-                </c:pt>
-                <c:pt idx="10">
-                  <c:v>242.7</c:v>
-                </c:pt>
-                <c:pt idx="11">
-                  <c:v>241.6</c:v>
-                </c:pt>
-                <c:pt idx="12">
-                  <c:v>241.4</c:v>
-                </c:pt>
-                <c:pt idx="13">
-                  <c:v>241.1</c:v>
-                </c:pt>
-                <c:pt idx="14">
-                  <c:v>223.2</c:v>
-                </c:pt>
-                <c:pt idx="15">
-                  <c:v>222.3</c:v>
-                </c:pt>
-                <c:pt idx="16">
-                  <c:v>221</c:v>
-                </c:pt>
-                <c:pt idx="17">
-                  <c:v>221.2</c:v>
-                </c:pt>
-                <c:pt idx="18">
-                  <c:v>220.4</c:v>
-                </c:pt>
-                <c:pt idx="19">
-                  <c:v>222.3</c:v>
-                </c:pt>
-                <c:pt idx="20">
-                  <c:v>242.5</c:v>
-                </c:pt>
-                <c:pt idx="21">
-                  <c:v>243.8</c:v>
-                </c:pt>
-                <c:pt idx="22">
-                  <c:v>241</c:v>
-                </c:pt>
-                <c:pt idx="23">
-                  <c:v>82.1</c:v>
-                </c:pt>
-                <c:pt idx="24">
-                  <c:v>97.5</c:v>
-                </c:pt>
-                <c:pt idx="25">
-                  <c:v>250.1</c:v>
-                </c:pt>
-                <c:pt idx="26">
-                  <c:v>252.3</c:v>
-                </c:pt>
-                <c:pt idx="27">
-                  <c:v>247.5</c:v>
-                </c:pt>
-                <c:pt idx="28">
-                  <c:v>245.9</c:v>
-                </c:pt>
-                <c:pt idx="29">
-                  <c:v>243.2</c:v>
-                </c:pt>
-                <c:pt idx="30">
-                  <c:v>210</c:v>
-                </c:pt>
-              </c:numCache>
-            </c:numRef>
-          </c:val>
-          <c:smooth val="0"/>
-          <c:extLst xmlns:c16r2="http://schemas.microsoft.com/office/drawing/2015/06/chart">
-            <c:ext xmlns:c16="http://schemas.microsoft.com/office/drawing/2014/chart" uri="{C3380CC4-5D6E-409C-BE32-E72D297353CC}">
-              <c16:uniqueId val="{00000000-1028-4B15-B79F-27E957B20D7E}"/>
-            </c:ext>
-          </c:extLst>
-        </c:ser>
-        <c:ser>
-          <c:idx val="1"/>
-          <c:order val="1"/>
-          <c:tx>
-            <c:strRef>
-              <c:f>Sheet0!$B$1</c:f>
-              <c:strCache>
-                <c:ptCount val="1"/>
-                <c:pt idx="0">
-                  <c:v>test1</c:v>
-                </c:pt>
-              </c:strCache>
-            </c:strRef>
-          </c:tx>
-          <c:spPr>
-            <a:ln w="28575"/>
-          </c:spPr>
-          <c:marker>
-            <c:symbol val="circle"/>
-            <c:size val="5"/>
-          </c:marker>
-          <c:cat>
-            <c:strRef>
-              <c:f>Sheet0!$A$2:$A$32</c:f>
-              <c:strCache>
-                <c:ptCount val="31"/>
-                <c:pt idx="0">
-                  <c:v>20180701</c:v>
-                </c:pt>
-                <c:pt idx="1">
-                  <c:v>20180702</c:v>
-                </c:pt>
-                <c:pt idx="2">
-                  <c:v>20180703</c:v>
-                </c:pt>
-                <c:pt idx="3">
-                  <c:v>20180704</c:v>
-                </c:pt>
-                <c:pt idx="4">
-                  <c:v>20180705</c:v>
-                </c:pt>
-                <c:pt idx="5">
-                  <c:v>20180706</c:v>
-                </c:pt>
-                <c:pt idx="6">
-                  <c:v>20180707</c:v>
-                </c:pt>
-                <c:pt idx="7">
-                  <c:v>20180708</c:v>
-                </c:pt>
-                <c:pt idx="8">
-                  <c:v>20180709</c:v>
-                </c:pt>
-                <c:pt idx="9">
-                  <c:v>20180710</c:v>
-                </c:pt>
-                <c:pt idx="10">
-                  <c:v>20180711</c:v>
-                </c:pt>
-                <c:pt idx="11">
-                  <c:v>20180712</c:v>
-                </c:pt>
-                <c:pt idx="12">
-                  <c:v>20180713</c:v>
-                </c:pt>
-                <c:pt idx="13">
-                  <c:v>20180714</c:v>
-                </c:pt>
-                <c:pt idx="14">
-                  <c:v>20180715</c:v>
-                </c:pt>
-                <c:pt idx="15">
-                  <c:v>20180716</c:v>
-                </c:pt>
-                <c:pt idx="16">
-                  <c:v>20180717</c:v>
-                </c:pt>
-                <c:pt idx="17">
-                  <c:v>20180718</c:v>
-                </c:pt>
-                <c:pt idx="18">
-                  <c:v>20180719</c:v>
-                </c:pt>
-                <c:pt idx="19">
-                  <c:v>20180720</c:v>
-                </c:pt>
-                <c:pt idx="20">
-                  <c:v>20180721</c:v>
-                </c:pt>
-                <c:pt idx="21">
-                  <c:v>20180722</c:v>
-                </c:pt>
-                <c:pt idx="22">
-                  <c:v>20180723</c:v>
-                </c:pt>
-                <c:pt idx="23">
-                  <c:v>20180724</c:v>
-                </c:pt>
-                <c:pt idx="24">
-                  <c:v>20180725</c:v>
-                </c:pt>
-                <c:pt idx="25">
-                  <c:v>20180726</c:v>
-                </c:pt>
-                <c:pt idx="26">
-                  <c:v>20180727</c:v>
-                </c:pt>
-                <c:pt idx="27">
-                  <c:v>20180728</c:v>
-                </c:pt>
-                <c:pt idx="28">
-                  <c:v>20180729</c:v>
-                </c:pt>
-                <c:pt idx="29">
-                  <c:v>20180730</c:v>
-                </c:pt>
-                <c:pt idx="30">
-                  <c:v>20180731</c:v>
-                </c:pt>
-              </c:strCache>
-            </c:strRef>
-          </c:cat>
-          <c:val>
-            <c:numRef>
-              <c:f>Sheet0!$C$2:$C$32</c:f>
-              <c:numCache>
-                <c:formatCode>General</c:formatCode>
-                <c:ptCount val="31"/>
-                <c:pt idx="0">
-                  <c:v>194.8</c:v>
-                </c:pt>
-                <c:pt idx="1">
-                  <c:v>196.1</c:v>
-                </c:pt>
-                <c:pt idx="2">
-                  <c:v>197.7</c:v>
-                </c:pt>
-                <c:pt idx="3">
-                  <c:v>198.9</c:v>
-                </c:pt>
-                <c:pt idx="4">
-                  <c:v>199.4</c:v>
-                </c:pt>
-                <c:pt idx="5">
-                  <c:v>200.4</c:v>
-                </c:pt>
-                <c:pt idx="6">
-                  <c:v>201.3</c:v>
-                </c:pt>
-                <c:pt idx="7">
-                  <c:v>200.6</c:v>
-                </c:pt>
-                <c:pt idx="8">
-                  <c:v>201.5</c:v>
-                </c:pt>
-                <c:pt idx="9">
-                  <c:v>203.1</c:v>
-                </c:pt>
-                <c:pt idx="10">
-                  <c:v>203.8</c:v>
-                </c:pt>
-                <c:pt idx="11">
-                  <c:v>203.5</c:v>
-                </c:pt>
-                <c:pt idx="12">
-                  <c:v>203.8</c:v>
-                </c:pt>
-                <c:pt idx="13">
-                  <c:v>202.9</c:v>
-                </c:pt>
-                <c:pt idx="14">
-                  <c:v>185.7</c:v>
-                </c:pt>
-                <c:pt idx="15">
-                  <c:v>187.5</c:v>
-                </c:pt>
-                <c:pt idx="16">
-                  <c:v>187.3</c:v>
-                </c:pt>
-                <c:pt idx="17">
-                  <c:v>187.3</c:v>
-                </c:pt>
-                <c:pt idx="18">
-                  <c:v>186.6</c:v>
-                </c:pt>
-                <c:pt idx="19">
-                  <c:v>188</c:v>
-                </c:pt>
-                <c:pt idx="20">
-                  <c:v>203.8</c:v>
-                </c:pt>
-                <c:pt idx="21">
-                  <c:v>201.8</c:v>
-                </c:pt>
-                <c:pt idx="22">
-                  <c:v>203</c:v>
-                </c:pt>
-                <c:pt idx="23">
-                  <c:v>66.900000000000006</c:v>
-                </c:pt>
-                <c:pt idx="24">
-                  <c:v>79.8</c:v>
-                </c:pt>
-                <c:pt idx="25">
-                  <c:v>208.2</c:v>
-                </c:pt>
-                <c:pt idx="26">
-                  <c:v>208.2</c:v>
-                </c:pt>
-                <c:pt idx="27">
-                  <c:v>202.5</c:v>
-                </c:pt>
-                <c:pt idx="28">
-                  <c:v>197.8</c:v>
-                </c:pt>
-                <c:pt idx="29">
-                  <c:v>198.6</c:v>
-                </c:pt>
-                <c:pt idx="30">
-                  <c:v>170.3</c:v>
-                </c:pt>
-              </c:numCache>
-            </c:numRef>
-          </c:val>
-          <c:smooth val="0"/>
-          <c:extLst xmlns:c16r2="http://schemas.microsoft.com/office/drawing/2015/06/chart">
-            <c:ext xmlns:c16="http://schemas.microsoft.com/office/drawing/2014/chart" uri="{C3380CC4-5D6E-409C-BE32-E72D297353CC}">
-              <c16:uniqueId val="{00000001-1028-4B15-B79F-27E957B20D7E}"/>
-            </c:ext>
-          </c:extLst>
-        </c:ser>
-        <c:ser>
-          <c:idx val="2"/>
-          <c:order val="2"/>
-          <c:tx>
-            <c:strRef>
-              <c:f>Sheet0!$B$1</c:f>
-              <c:strCache>
-                <c:ptCount val="1"/>
-                <c:pt idx="0">
-                  <c:v>test1</c:v>
-                </c:pt>
-              </c:strCache>
-            </c:strRef>
-          </c:tx>
-          <c:spPr>
-            <a:ln w="28575"/>
-          </c:spPr>
-          <c:marker>
-            <c:symbol val="circle"/>
-            <c:size val="5"/>
-          </c:marker>
-          <c:cat>
-            <c:strRef>
-              <c:f>Sheet0!$A$2:$A$32</c:f>
-              <c:strCache>
-                <c:ptCount val="31"/>
-                <c:pt idx="0">
-                  <c:v>20180701</c:v>
-                </c:pt>
-                <c:pt idx="1">
-                  <c:v>20180702</c:v>
-                </c:pt>
-                <c:pt idx="2">
-                  <c:v>20180703</c:v>
-                </c:pt>
-                <c:pt idx="3">
-                  <c:v>20180704</c:v>
-                </c:pt>
-                <c:pt idx="4">
-                  <c:v>20180705</c:v>
-                </c:pt>
-                <c:pt idx="5">
-                  <c:v>20180706</c:v>
-                </c:pt>
-                <c:pt idx="6">
-                  <c:v>20180707</c:v>
-                </c:pt>
-                <c:pt idx="7">
-                  <c:v>20180708</c:v>
-                </c:pt>
-                <c:pt idx="8">
-                  <c:v>20180709</c:v>
-                </c:pt>
-                <c:pt idx="9">
-                  <c:v>20180710</c:v>
-                </c:pt>
-                <c:pt idx="10">
-                  <c:v>20180711</c:v>
-                </c:pt>
-                <c:pt idx="11">
-                  <c:v>20180712</c:v>
-                </c:pt>
-                <c:pt idx="12">
-                  <c:v>20180713</c:v>
-                </c:pt>
-                <c:pt idx="13">
-                  <c:v>20180714</c:v>
-                </c:pt>
-                <c:pt idx="14">
-                  <c:v>20180715</c:v>
-                </c:pt>
-                <c:pt idx="15">
-                  <c:v>20180716</c:v>
-                </c:pt>
-                <c:pt idx="16">
-                  <c:v>20180717</c:v>
-                </c:pt>
-                <c:pt idx="17">
-                  <c:v>20180718</c:v>
-                </c:pt>
-                <c:pt idx="18">
-                  <c:v>20180719</c:v>
-                </c:pt>
-                <c:pt idx="19">
-                  <c:v>20180720</c:v>
-                </c:pt>
-                <c:pt idx="20">
-                  <c:v>20180721</c:v>
-                </c:pt>
-                <c:pt idx="21">
-                  <c:v>20180722</c:v>
-                </c:pt>
-                <c:pt idx="22">
-                  <c:v>20180723</c:v>
-                </c:pt>
-                <c:pt idx="23">
-                  <c:v>20180724</c:v>
-                </c:pt>
-                <c:pt idx="24">
-                  <c:v>20180725</c:v>
-                </c:pt>
-                <c:pt idx="25">
-                  <c:v>20180726</c:v>
-                </c:pt>
-                <c:pt idx="26">
-                  <c:v>20180727</c:v>
-                </c:pt>
-                <c:pt idx="27">
-                  <c:v>20180728</c:v>
-                </c:pt>
-                <c:pt idx="28">
-                  <c:v>20180729</c:v>
-                </c:pt>
-                <c:pt idx="29">
-                  <c:v>20180730</c:v>
-                </c:pt>
-                <c:pt idx="30">
-                  <c:v>20180731</c:v>
-                </c:pt>
-              </c:strCache>
-            </c:strRef>
-          </c:cat>
-          <c:val>
-            <c:numRef>
-              <c:f>Sheet0!$D$2:$D$32</c:f>
-              <c:numCache>
-                <c:formatCode>General</c:formatCode>
-                <c:ptCount val="31"/>
-                <c:pt idx="0">
-                  <c:v>51.3</c:v>
-                </c:pt>
-                <c:pt idx="1">
-                  <c:v>46.7</c:v>
-                </c:pt>
-                <c:pt idx="2">
-                  <c:v>44.7</c:v>
-                </c:pt>
-                <c:pt idx="3">
-                  <c:v>43.9</c:v>
-                </c:pt>
-                <c:pt idx="4">
-                  <c:v>43.3</c:v>
-                </c:pt>
-                <c:pt idx="5">
-                  <c:v>42.6</c:v>
-                </c:pt>
-                <c:pt idx="6">
-                  <c:v>43.2</c:v>
-                </c:pt>
-                <c:pt idx="7">
-                  <c:v>44.4</c:v>
-                </c:pt>
-                <c:pt idx="8">
-                  <c:v>40.1</c:v>
-                </c:pt>
-                <c:pt idx="9">
-                  <c:v>39.299999999999997</c:v>
-                </c:pt>
-                <c:pt idx="10">
-                  <c:v>39.5</c:v>
-                </c:pt>
-                <c:pt idx="11">
-                  <c:v>38.700000000000003</c:v>
-                </c:pt>
-                <c:pt idx="12">
-                  <c:v>38.1</c:v>
-                </c:pt>
-                <c:pt idx="13">
-                  <c:v>38.700000000000003</c:v>
-                </c:pt>
-                <c:pt idx="14">
-                  <c:v>38</c:v>
-                </c:pt>
-                <c:pt idx="15">
-                  <c:v>35.299999999999997</c:v>
-                </c:pt>
-                <c:pt idx="16">
-                  <c:v>34.200000000000003</c:v>
-                </c:pt>
-                <c:pt idx="17">
-                  <c:v>34.299999999999997</c:v>
-                </c:pt>
-                <c:pt idx="18">
-                  <c:v>34.200000000000003</c:v>
-                </c:pt>
-                <c:pt idx="19">
-                  <c:v>34.799999999999997</c:v>
-                </c:pt>
-                <c:pt idx="20">
-                  <c:v>39.1</c:v>
-                </c:pt>
-                <c:pt idx="21">
-                  <c:v>42.3</c:v>
-                </c:pt>
-                <c:pt idx="22">
-                  <c:v>38.299999999999997</c:v>
-                </c:pt>
-                <c:pt idx="23">
-                  <c:v>15.3</c:v>
-                </c:pt>
-                <c:pt idx="24">
-                  <c:v>17.899999999999999</c:v>
-                </c:pt>
-                <c:pt idx="25">
-                  <c:v>42.3</c:v>
-                </c:pt>
-                <c:pt idx="26">
-                  <c:v>44.5</c:v>
-                </c:pt>
-                <c:pt idx="27">
-                  <c:v>45.3</c:v>
-                </c:pt>
-                <c:pt idx="28">
-                  <c:v>48.3</c:v>
-                </c:pt>
-                <c:pt idx="29">
-                  <c:v>44.9</c:v>
-                </c:pt>
-                <c:pt idx="30">
-                  <c:v>39.799999999999997</c:v>
-                </c:pt>
-              </c:numCache>
-            </c:numRef>
-          </c:val>
-          <c:smooth val="0"/>
-          <c:extLst xmlns:c16r2="http://schemas.microsoft.com/office/drawing/2015/06/chart">
-            <c:ext xmlns:c16="http://schemas.microsoft.com/office/drawing/2014/chart" uri="{C3380CC4-5D6E-409C-BE32-E72D297353CC}">
-              <c16:uniqueId val="{00000002-1028-4B15-B79F-27E957B20D7E}"/>
-            </c:ext>
-          </c:extLst>
-        </c:ser>
-        <c:dLbls>
-          <c:showLegendKey val="0"/>
-          <c:showVal val="0"/>
-          <c:showCatName val="0"/>
-          <c:showSerName val="0"/>
-          <c:showPercent val="0"/>
-          <c:showBubbleSize val="0"/>
-        </c:dLbls>
-        <c:marker val="1"/>
-        <c:smooth val="0"/>
-        <c:axId val="130963968"/>
-        <c:axId val="131013952"/>
-      </c:lineChart>
-      <c:catAx>
-        <c:axId val="130963968"/>
-        <c:scaling>
-          <c:orientation val="minMax"/>
-        </c:scaling>
-        <c:delete val="0"/>
-        <c:axPos val="b"/>
-        <c:numFmt formatCode="General" sourceLinked="1"/>
-        <c:majorTickMark val="out"/>
-        <c:minorTickMark val="none"/>
-        <c:tickLblPos val="nextTo"/>
-        <c:spPr>
-          <a:ln>
-            <a:noFill/>
-          </a:ln>
-        </c:spPr>
-        <c:txPr>
-          <a:bodyPr/>
-          <a:lstStyle/>
-          <a:p>
-            <a:pPr>
-              <a:defRPr sz="1200"/>
-            </a:pPr>
-            <a:endParaRPr lang="zh-CN"/>
-          </a:p>
-        </c:txPr>
-        <c:crossAx val="131013952"/>
-        <c:crosses val="autoZero"/>
-        <c:auto val="1"/>
-        <c:lblAlgn val="ctr"/>
-        <c:lblOffset val="100"/>
-        <c:noMultiLvlLbl val="0"/>
-      </c:catAx>
-      <c:valAx>
-        <c:axId val="131013952"/>
-        <c:scaling>
-          <c:orientation val="minMax"/>
-          <c:min val="0"/>
-        </c:scaling>
-        <c:delete val="0"/>
-        <c:axPos val="l"/>
-        <c:majorGridlines>
-          <c:spPr>
-            <a:ln>
-              <a:solidFill>
-                <a:schemeClr val="bg2"/>
-              </a:solidFill>
-            </a:ln>
-          </c:spPr>
-        </c:majorGridlines>
-        <c:numFmt formatCode="#,##0_);[Red]\(#,##0\)" sourceLinked="0"/>
-        <c:majorTickMark val="out"/>
-        <c:minorTickMark val="none"/>
-        <c:tickLblPos val="nextTo"/>
-        <c:spPr>
-          <a:ln>
-            <a:solidFill>
-              <a:srgbClr val="5B9BD5"/>
-            </a:solidFill>
-          </a:ln>
-        </c:spPr>
-        <c:txPr>
-          <a:bodyPr/>
-          <a:lstStyle/>
-          <a:p>
-            <a:pPr>
-              <a:defRPr sz="1200" b="0" i="0"/>
-            </a:pPr>
-            <a:endParaRPr lang="zh-CN"/>
-          </a:p>
-        </c:txPr>
-        <c:crossAx val="130963968"/>
-        <c:crosses val="autoZero"/>
-        <c:crossBetween val="between"/>
-      </c:valAx>
-    </c:plotArea>
-    <c:legend>
-      <c:legendPos val="b"/>
-      <c:layout/>
-      <c:overlay val="0"/>
-      <c:txPr>
-        <a:bodyPr/>
-        <a:lstStyle/>
-        <a:p>
-          <a:pPr>
-            <a:defRPr sz="1200"/>
-          </a:pPr>
-          <a:endParaRPr lang="zh-CN"/>
-        </a:p>
-      </c:txPr>
-    </c:legend>
     <c:plotVisOnly val="1"/>
     <c:dispBlanksAs val="gap"/>
     <c:showDLblsOverMax val="0"/>
@@ -1861,7 +489,7 @@
           <a:p>
             <a:fld id="{530820CF-B880-4189-942D-D702A7CBA730}" type="datetimeFigureOut">
               <a:rPr lang="zh-CN" altLang="en-US" smtClean="0"/>
-              <a:t>2018/10/31</a:t>
+              <a:t>2020/3/7 Saturday</a:t>
             </a:fld>
             <a:endParaRPr lang="zh-CN" altLang="en-US"/>
           </a:p>
@@ -2048,7 +676,7 @@
           <a:p>
             <a:fld id="{530820CF-B880-4189-942D-D702A7CBA730}" type="datetimeFigureOut">
               <a:rPr lang="zh-CN" altLang="en-US" smtClean="0"/>
-              <a:t>2018/10/31</a:t>
+              <a:t>2020/3/7 Saturday</a:t>
             </a:fld>
             <a:endParaRPr lang="zh-CN" altLang="en-US"/>
           </a:p>
@@ -2223,7 +851,7 @@
           <a:p>
             <a:fld id="{530820CF-B880-4189-942D-D702A7CBA730}" type="datetimeFigureOut">
               <a:rPr lang="zh-CN" altLang="en-US" smtClean="0"/>
-              <a:t>2018/10/31</a:t>
+              <a:t>2020/3/7 Saturday</a:t>
             </a:fld>
             <a:endParaRPr lang="zh-CN" altLang="en-US"/>
           </a:p>
@@ -2403,7 +1031,7 @@
           <a:p>
             <a:fld id="{530820CF-B880-4189-942D-D702A7CBA730}" type="datetimeFigureOut">
               <a:rPr lang="zh-CN" altLang="en-US" smtClean="0"/>
-              <a:t>2018/10/31</a:t>
+              <a:t>2020/3/7 Saturday</a:t>
             </a:fld>
             <a:endParaRPr lang="zh-CN" altLang="en-US"/>
           </a:p>
@@ -2650,7 +1278,7 @@
           <a:p>
             <a:fld id="{530820CF-B880-4189-942D-D702A7CBA730}" type="datetimeFigureOut">
               <a:rPr lang="zh-CN" altLang="en-US" smtClean="0"/>
-              <a:t>2018/10/31</a:t>
+              <a:t>2020/3/7 Saturday</a:t>
             </a:fld>
             <a:endParaRPr lang="zh-CN" altLang="en-US"/>
           </a:p>
@@ -3124,7 +1752,7 @@
           <a:p>
             <a:fld id="{530820CF-B880-4189-942D-D702A7CBA730}" type="datetimeFigureOut">
               <a:rPr lang="zh-CN" altLang="en-US" smtClean="0"/>
-              <a:t>2018/10/31</a:t>
+              <a:t>2020/3/7 Saturday</a:t>
             </a:fld>
             <a:endParaRPr lang="zh-CN" altLang="en-US"/>
           </a:p>
@@ -3539,7 +2167,7 @@
           <a:p>
             <a:fld id="{530820CF-B880-4189-942D-D702A7CBA730}" type="datetimeFigureOut">
               <a:rPr lang="zh-CN" altLang="en-US" smtClean="0"/>
-              <a:t>2018/10/31</a:t>
+              <a:t>2020/3/7 Saturday</a:t>
             </a:fld>
             <a:endParaRPr lang="zh-CN" altLang="en-US"/>
           </a:p>
@@ -3670,7 +2298,7 @@
           <a:p>
             <a:fld id="{530820CF-B880-4189-942D-D702A7CBA730}" type="datetimeFigureOut">
               <a:rPr lang="zh-CN" altLang="en-US" smtClean="0"/>
-              <a:t>2018/10/31</a:t>
+              <a:t>2020/3/7 Saturday</a:t>
             </a:fld>
             <a:endParaRPr lang="zh-CN" altLang="en-US"/>
           </a:p>
@@ -3765,7 +2393,7 @@
           <a:p>
             <a:fld id="{530820CF-B880-4189-942D-D702A7CBA730}" type="datetimeFigureOut">
               <a:rPr lang="zh-CN" altLang="en-US" smtClean="0"/>
-              <a:t>2018/10/31</a:t>
+              <a:t>2020/3/7 Saturday</a:t>
             </a:fld>
             <a:endParaRPr lang="zh-CN" altLang="en-US"/>
           </a:p>
@@ -4043,7 +2671,7 @@
           <a:p>
             <a:fld id="{530820CF-B880-4189-942D-D702A7CBA730}" type="datetimeFigureOut">
               <a:rPr lang="zh-CN" altLang="en-US" smtClean="0"/>
-              <a:t>2018/10/31</a:t>
+              <a:t>2020/3/7 Saturday</a:t>
             </a:fld>
             <a:endParaRPr lang="zh-CN" altLang="en-US"/>
           </a:p>
@@ -4295,7 +2923,7 @@
           <a:p>
             <a:fld id="{530820CF-B880-4189-942D-D702A7CBA730}" type="datetimeFigureOut">
               <a:rPr lang="zh-CN" altLang="en-US" smtClean="0"/>
-              <a:t>2018/10/31</a:t>
+              <a:t>2020/3/7 Saturday</a:t>
             </a:fld>
             <a:endParaRPr lang="zh-CN" altLang="en-US"/>
           </a:p>
@@ -4667,7 +3295,7 @@
           <a:p>
             <a:fld id="{530820CF-B880-4189-942D-D702A7CBA730}" type="datetimeFigureOut">
               <a:rPr lang="zh-CN" altLang="en-US" smtClean="0"/>
-              <a:t>2018/10/31</a:t>
+              <a:t>2020/3/7 Saturday</a:t>
             </a:fld>
             <a:endParaRPr lang="zh-CN" altLang="en-US"/>
           </a:p>
@@ -5215,21 +3843,21 @@
                 <a:gridCol w="996804">
                   <a:extLst>
                     <a:ext uri="{9D8B030D-6E8A-4147-A177-3AD203B41FA5}">
-                      <a16:colId xmlns="" xmlns:a16="http://schemas.microsoft.com/office/drawing/2014/main" val="20000"/>
+                      <a16:colId xmlns:a16="http://schemas.microsoft.com/office/drawing/2014/main" val="20000"/>
                     </a:ext>
                   </a:extLst>
                 </a:gridCol>
                 <a:gridCol w="1229389">
                   <a:extLst>
                     <a:ext uri="{9D8B030D-6E8A-4147-A177-3AD203B41FA5}">
-                      <a16:colId xmlns="" xmlns:a16="http://schemas.microsoft.com/office/drawing/2014/main" val="20001"/>
+                      <a16:colId xmlns:a16="http://schemas.microsoft.com/office/drawing/2014/main" val="20001"/>
                     </a:ext>
                   </a:extLst>
                 </a:gridCol>
                 <a:gridCol w="897123">
                   <a:extLst>
                     <a:ext uri="{9D8B030D-6E8A-4147-A177-3AD203B41FA5}">
-                      <a16:colId xmlns="" xmlns:a16="http://schemas.microsoft.com/office/drawing/2014/main" val="20002"/>
+                      <a16:colId xmlns:a16="http://schemas.microsoft.com/office/drawing/2014/main" val="20002"/>
                     </a:ext>
                   </a:extLst>
                 </a:gridCol>
@@ -5319,7 +3947,7 @@
                 </a:tc>
                 <a:extLst>
                   <a:ext uri="{0D108BD9-81ED-4DB2-BD59-A6C34878D82A}">
-                    <a16:rowId xmlns="" xmlns:a16="http://schemas.microsoft.com/office/drawing/2014/main" val="10000"/>
+                    <a16:rowId xmlns:a16="http://schemas.microsoft.com/office/drawing/2014/main" val="10000"/>
                   </a:ext>
                 </a:extLst>
               </a:tr>
@@ -5372,168 +4000,6 @@
         <p:xfrm>
           <a:off x="683568" y="1268760"/>
           <a:ext cx="7634313" cy="4214842"/>
-        </p:xfrm>
-        <a:graphic>
-          <a:graphicData uri="http://schemas.openxmlformats.org/drawingml/2006/chart">
-            <c:chart xmlns:c="http://schemas.openxmlformats.org/drawingml/2006/chart" xmlns:r="http://schemas.openxmlformats.org/officeDocument/2006/relationships" r:id="rId2"/>
-          </a:graphicData>
-        </a:graphic>
-      </p:graphicFrame>
-    </p:spTree>
-    <p:extLst>
-      <p:ext uri="{BB962C8B-B14F-4D97-AF65-F5344CB8AC3E}">
-        <p14:creationId xmlns:p14="http://schemas.microsoft.com/office/powerpoint/2010/main" val="862001793"/>
-      </p:ext>
-    </p:extLst>
-  </p:cSld>
-  <p:clrMapOvr>
-    <a:masterClrMapping/>
-  </p:clrMapOvr>
-</p:sld>
-</file>
-
-<file path=ppt/slides/slide4.xml><?xml version="1.0" encoding="utf-8"?>
-<p:sld xmlns:a="http://schemas.openxmlformats.org/drawingml/2006/main" xmlns:r="http://schemas.openxmlformats.org/officeDocument/2006/relationships" xmlns:p="http://schemas.openxmlformats.org/presentationml/2006/main">
-  <p:cSld>
-    <p:spTree>
-      <p:nvGrpSpPr>
-        <p:cNvPr id="1" name=""/>
-        <p:cNvGrpSpPr/>
-        <p:nvPr/>
-      </p:nvGrpSpPr>
-      <p:grpSpPr>
-        <a:xfrm>
-          <a:off x="0" y="0"/>
-          <a:ext cx="0" cy="0"/>
-          <a:chOff x="0" y="0"/>
-          <a:chExt cx="0" cy="0"/>
-        </a:xfrm>
-      </p:grpSpPr>
-      <p:graphicFrame>
-        <p:nvGraphicFramePr>
-          <p:cNvPr id="4" name="图表 3"/>
-          <p:cNvGraphicFramePr/>
-          <p:nvPr>
-            <p:extLst>
-              <p:ext uri="{D42A27DB-BD31-4B8C-83A1-F6EECF244321}">
-                <p14:modId xmlns:p14="http://schemas.microsoft.com/office/powerpoint/2010/main" val="1795798960"/>
-              </p:ext>
-            </p:extLst>
-          </p:nvPr>
-        </p:nvGraphicFramePr>
-        <p:xfrm>
-          <a:off x="28833" y="1772816"/>
-          <a:ext cx="8784976" cy="3672408"/>
-        </p:xfrm>
-        <a:graphic>
-          <a:graphicData uri="http://schemas.openxmlformats.org/drawingml/2006/chart">
-            <c:chart xmlns:c="http://schemas.openxmlformats.org/drawingml/2006/chart" xmlns:r="http://schemas.openxmlformats.org/officeDocument/2006/relationships" r:id="rId2"/>
-          </a:graphicData>
-        </a:graphic>
-      </p:graphicFrame>
-      <p:sp>
-        <p:nvSpPr>
-          <p:cNvPr id="2" name="TextBox 1"/>
-          <p:cNvSpPr txBox="1"/>
-          <p:nvPr/>
-        </p:nvSpPr>
-        <p:spPr>
-          <a:xfrm>
-            <a:off x="1907704" y="1052736"/>
-            <a:ext cx="4759636" cy="369332"/>
-          </a:xfrm>
-          <a:prstGeom prst="rect">
-            <a:avLst/>
-          </a:prstGeom>
-          <a:noFill/>
-        </p:spPr>
-        <p:txBody>
-          <a:bodyPr wrap="none" rtlCol="0">
-            <a:spAutoFit/>
-          </a:bodyPr>
-          <a:lstStyle/>
-          <a:p>
-            <a:r>
-              <a:rPr lang="zh-CN" altLang="en-US" dirty="0" smtClean="0"/>
-              <a:t>谁说标题不能替换</a:t>
-            </a:r>
-            <a:r>
-              <a:rPr lang="en-US" altLang="zh-CN" dirty="0" smtClean="0"/>
-              <a:t>${6A},</a:t>
-            </a:r>
-            <a:r>
-              <a:rPr lang="en-US" altLang="zh-CN" dirty="0"/>
-              <a:t> ${</a:t>
-            </a:r>
-            <a:r>
-              <a:rPr lang="en-US" altLang="zh-CN" dirty="0" smtClean="0"/>
-              <a:t>6B}, </a:t>
-            </a:r>
-            <a:r>
-              <a:rPr lang="en-US" altLang="zh-CN" dirty="0"/>
-              <a:t>${</a:t>
-            </a:r>
-            <a:r>
-              <a:rPr lang="en-US" altLang="zh-CN" dirty="0" smtClean="0"/>
-              <a:t>6C}, </a:t>
-            </a:r>
-            <a:r>
-              <a:rPr lang="en-US" altLang="zh-CN" dirty="0"/>
-              <a:t>${</a:t>
-            </a:r>
-            <a:r>
-              <a:rPr lang="en-US" altLang="zh-CN" dirty="0" smtClean="0"/>
-              <a:t>6D}</a:t>
-            </a:r>
-            <a:endParaRPr lang="zh-CN" altLang="en-US" dirty="0"/>
-          </a:p>
-        </p:txBody>
-      </p:sp>
-    </p:spTree>
-    <p:extLst>
-      <p:ext uri="{BB962C8B-B14F-4D97-AF65-F5344CB8AC3E}">
-        <p14:creationId xmlns:p14="http://schemas.microsoft.com/office/powerpoint/2010/main" val="862001793"/>
-      </p:ext>
-    </p:extLst>
-  </p:cSld>
-  <p:clrMapOvr>
-    <a:masterClrMapping/>
-  </p:clrMapOvr>
-</p:sld>
-</file>
-
-<file path=ppt/slides/slide5.xml><?xml version="1.0" encoding="utf-8"?>
-<p:sld xmlns:a="http://schemas.openxmlformats.org/drawingml/2006/main" xmlns:r="http://schemas.openxmlformats.org/officeDocument/2006/relationships" xmlns:p="http://schemas.openxmlformats.org/presentationml/2006/main">
-  <p:cSld>
-    <p:spTree>
-      <p:nvGrpSpPr>
-        <p:cNvPr id="1" name=""/>
-        <p:cNvGrpSpPr/>
-        <p:nvPr/>
-      </p:nvGrpSpPr>
-      <p:grpSpPr>
-        <a:xfrm>
-          <a:off x="0" y="0"/>
-          <a:ext cx="0" cy="0"/>
-          <a:chOff x="0" y="0"/>
-          <a:chExt cx="0" cy="0"/>
-        </a:xfrm>
-      </p:grpSpPr>
-      <p:graphicFrame>
-        <p:nvGraphicFramePr>
-          <p:cNvPr id="4" name="图表 3"/>
-          <p:cNvGraphicFramePr/>
-          <p:nvPr>
-            <p:extLst>
-              <p:ext uri="{D42A27DB-BD31-4B8C-83A1-F6EECF244321}">
-                <p14:modId xmlns:p14="http://schemas.microsoft.com/office/powerpoint/2010/main" val="2653145071"/>
-              </p:ext>
-            </p:extLst>
-          </p:nvPr>
-        </p:nvGraphicFramePr>
-        <p:xfrm>
-          <a:off x="521455" y="1357298"/>
-          <a:ext cx="7218897" cy="3871902"/>
         </p:xfrm>
         <a:graphic>
           <a:graphicData uri="http://schemas.openxmlformats.org/drawingml/2006/chart">
